--- a/user_manual/page/po_management/po_register_en.pptx
+++ b/user_manual/page/po_management/po_register_en.pptx
@@ -2960,30 +2960,6 @@
           <a:chExt cx="0" cy="0"/>
         </a:xfrm>
       </p:grpSpPr>
-      <p:pic>
-        <p:nvPicPr>
-          <p:cNvPr id="2" name="Picture 1"/>
-          <p:cNvPicPr>
-            <a:picLocks noChangeAspect="1"/>
-          </p:cNvPicPr>
-          <p:nvPr/>
-        </p:nvPicPr>
-        <p:blipFill>
-          <a:blip r:embed="rId3"/>
-          <a:stretch>
-            <a:fillRect/>
-          </a:stretch>
-        </p:blipFill>
-        <p:spPr>
-          <a:xfrm>
-            <a:off x="222811" y="1041778"/>
-            <a:ext cx="6408712" cy="3761481"/>
-          </a:xfrm>
-          <a:prstGeom prst="rect">
-            <a:avLst/>
-          </a:prstGeom>
-        </p:spPr>
-      </p:pic>
       <p:sp>
         <p:nvSpPr>
           <p:cNvPr id="5" name="제목 4"/>
@@ -3108,7 +3084,7 @@
         <p:spPr>
           <a:xfrm>
             <a:off x="6769272" y="1874775"/>
-            <a:ext cx="3136728" cy="2862322"/>
+            <a:ext cx="3136728" cy="4154984"/>
           </a:xfrm>
           <a:prstGeom prst="rect">
             <a:avLst/>
@@ -3242,6 +3218,98 @@
               </a:rPr>
               <a:t>.</a:t>
             </a:r>
+          </a:p>
+          <a:p>
+            <a:pPr marL="228600" indent="-228600">
+              <a:buAutoNum type="arabicPeriod"/>
+            </a:pPr>
+            <a:r>
+              <a:rPr lang="en-US" sz="1200" dirty="0">
+                <a:latin typeface="맑은 고딕" pitchFamily="50" charset="-127"/>
+                <a:ea typeface="맑은 고딕" pitchFamily="50" charset="-127"/>
+              </a:rPr>
+              <a:t/>
+            </a:r>
+            <a:br>
+              <a:rPr lang="en-US" sz="1200" dirty="0">
+                <a:latin typeface="맑은 고딕" pitchFamily="50" charset="-127"/>
+                <a:ea typeface="맑은 고딕" pitchFamily="50" charset="-127"/>
+              </a:rPr>
+            </a:br>
+            <a:r>
+              <a:rPr lang="en-US" sz="1200" dirty="0">
+                <a:latin typeface="맑은 고딕" pitchFamily="50" charset="-127"/>
+                <a:ea typeface="맑은 고딕" pitchFamily="50" charset="-127"/>
+              </a:rPr>
+              <a:t>- Checking the AC box will only show customers associated with air conditioning</a:t>
+            </a:r>
+            <a:br>
+              <a:rPr lang="en-US" sz="1200" dirty="0">
+                <a:latin typeface="맑은 고딕" pitchFamily="50" charset="-127"/>
+                <a:ea typeface="맑은 고딕" pitchFamily="50" charset="-127"/>
+              </a:rPr>
+            </a:br>
+            <a:r>
+              <a:rPr lang="en-US" sz="1200" dirty="0">
+                <a:latin typeface="맑은 고딕" pitchFamily="50" charset="-127"/>
+                <a:ea typeface="맑은 고딕" pitchFamily="50" charset="-127"/>
+              </a:rPr>
+              <a:t>- If </a:t>
+            </a:r>
+            <a:r>
+              <a:rPr lang="en-US" sz="1200" dirty="0">
+                <a:latin typeface="맑은 고딕" pitchFamily="50" charset="-127"/>
+                <a:ea typeface="맑은 고딕" pitchFamily="50" charset="-127"/>
+              </a:rPr>
+              <a:t>the customer associated with the PO is not found in the list, you can check this box and a field will be enabled to manually enter the customer's name. </a:t>
+            </a:r>
+            <a:r>
+              <a:rPr lang="en-US" sz="1200" b="1" dirty="0">
+                <a:latin typeface="맑은 고딕" pitchFamily="50" charset="-127"/>
+                <a:ea typeface="맑은 고딕" pitchFamily="50" charset="-127"/>
+              </a:rPr>
+              <a:t>Remember to report the absence of the customer so it can be included as soon as </a:t>
+            </a:r>
+            <a:r>
+              <a:rPr lang="en-US" sz="1200" b="1" dirty="0" smtClean="0">
+                <a:latin typeface="맑은 고딕" pitchFamily="50" charset="-127"/>
+                <a:ea typeface="맑은 고딕" pitchFamily="50" charset="-127"/>
+              </a:rPr>
+              <a:t>possible</a:t>
+            </a:r>
+            <a:r>
+              <a:rPr lang="es-PE" sz="1200" b="1" dirty="0" smtClean="0">
+                <a:latin typeface="맑은 고딕" pitchFamily="50" charset="-127"/>
+                <a:ea typeface="맑은 고딕" pitchFamily="50" charset="-127"/>
+              </a:rPr>
+              <a:t>.</a:t>
+            </a:r>
+          </a:p>
+          <a:p>
+            <a:pPr marL="228600" indent="-228600">
+              <a:buAutoNum type="arabicPeriod"/>
+            </a:pPr>
+            <a:r>
+              <a:rPr lang="en-US" sz="1200" dirty="0">
+                <a:latin typeface="맑은 고딕" pitchFamily="50" charset="-127"/>
+                <a:ea typeface="맑은 고딕" pitchFamily="50" charset="-127"/>
+              </a:rPr>
+              <a:t>If the DP needs to be put in copy (</a:t>
+            </a:r>
+            <a:r>
+              <a:rPr lang="en-US" sz="1200" dirty="0" err="1">
+                <a:latin typeface="맑은 고딕" pitchFamily="50" charset="-127"/>
+                <a:ea typeface="맑은 고딕" pitchFamily="50" charset="-127"/>
+              </a:rPr>
+              <a:t>CC'd</a:t>
+            </a:r>
+            <a:r>
+              <a:rPr lang="en-US" sz="1200" dirty="0">
+                <a:latin typeface="맑은 고딕" pitchFamily="50" charset="-127"/>
+                <a:ea typeface="맑은 고딕" pitchFamily="50" charset="-127"/>
+              </a:rPr>
+              <a:t>), you can check the boxes you deem necessary.</a:t>
+            </a:r>
             <a:endParaRPr lang="es-PE" sz="1200" dirty="0" smtClean="0">
               <a:latin typeface="맑은 고딕" pitchFamily="50" charset="-127"/>
               <a:ea typeface="맑은 고딕" pitchFamily="50" charset="-127"/>
@@ -3256,51 +3324,47 @@
                 <a:latin typeface="맑은 고딕" pitchFamily="50" charset="-127"/>
                 <a:ea typeface="맑은 고딕" pitchFamily="50" charset="-127"/>
               </a:rPr>
-              <a:t>If the customer associated with the PO is not found in the list, you can check this box and a field will be enabled to manually enter the customer's name. </a:t>
-            </a:r>
-            <a:r>
-              <a:rPr lang="en-US" sz="1200" b="1" dirty="0">
-                <a:latin typeface="맑은 고딕" pitchFamily="50" charset="-127"/>
-                <a:ea typeface="맑은 고딕" pitchFamily="50" charset="-127"/>
-              </a:rPr>
-              <a:t>Remember to report the absence of the customer so it can be included as soon as </a:t>
-            </a:r>
-            <a:r>
-              <a:rPr lang="en-US" sz="1200" b="1" dirty="0" smtClean="0">
-                <a:latin typeface="맑은 고딕" pitchFamily="50" charset="-127"/>
-                <a:ea typeface="맑은 고딕" pitchFamily="50" charset="-127"/>
-              </a:rPr>
-              <a:t>possible</a:t>
-            </a:r>
-            <a:r>
-              <a:rPr lang="es-PE" sz="1200" b="1" dirty="0" smtClean="0">
+              <a:t>You can enter any observations</a:t>
+            </a:r>
+            <a:r>
+              <a:rPr lang="es-PE" sz="1200" dirty="0" smtClean="0">
                 <a:latin typeface="맑은 고딕" pitchFamily="50" charset="-127"/>
                 <a:ea typeface="맑은 고딕" pitchFamily="50" charset="-127"/>
               </a:rPr>
               <a:t>.</a:t>
             </a:r>
-            <a:endParaRPr lang="es-PE" sz="1200" b="1" dirty="0" smtClean="0">
-              <a:latin typeface="맑은 고딕" pitchFamily="50" charset="-127"/>
-              <a:ea typeface="맑은 고딕" pitchFamily="50" charset="-127"/>
-            </a:endParaRPr>
           </a:p>
           <a:p>
             <a:pPr marL="228600" indent="-228600">
               <a:buAutoNum type="arabicPeriod"/>
             </a:pPr>
             <a:r>
-              <a:rPr lang="en-US" sz="1200" dirty="0">
-                <a:latin typeface="맑은 고딕" pitchFamily="50" charset="-127"/>
-                <a:ea typeface="맑은 고딕" pitchFamily="50" charset="-127"/>
-              </a:rPr>
-              <a:t>You can enter any observations</a:t>
-            </a:r>
-            <a:r>
-              <a:rPr lang="es-PE" sz="1200" dirty="0" smtClean="0">
-                <a:latin typeface="맑은 고딕" pitchFamily="50" charset="-127"/>
-                <a:ea typeface="맑은 고딕" pitchFamily="50" charset="-127"/>
-              </a:rPr>
-              <a:t>.</a:t>
+              <a:rPr lang="es-PE" sz="1200" dirty="0" err="1">
+                <a:latin typeface="맑은 고딕" pitchFamily="50" charset="-127"/>
+                <a:ea typeface="맑은 고딕" pitchFamily="50" charset="-127"/>
+              </a:rPr>
+              <a:t>Attach</a:t>
+            </a:r>
+            <a:r>
+              <a:rPr lang="es-PE" sz="1200" dirty="0">
+                <a:latin typeface="맑은 고딕" pitchFamily="50" charset="-127"/>
+                <a:ea typeface="맑은 고딕" pitchFamily="50" charset="-127"/>
+              </a:rPr>
+              <a:t> </a:t>
+            </a:r>
+            <a:r>
+              <a:rPr lang="es-PE" sz="1200" dirty="0" err="1">
+                <a:latin typeface="맑은 고딕" pitchFamily="50" charset="-127"/>
+                <a:ea typeface="맑은 고딕" pitchFamily="50" charset="-127"/>
+              </a:rPr>
+              <a:t>the</a:t>
+            </a:r>
+            <a:r>
+              <a:rPr lang="es-PE" sz="1200" dirty="0">
+                <a:latin typeface="맑은 고딕" pitchFamily="50" charset="-127"/>
+                <a:ea typeface="맑은 고딕" pitchFamily="50" charset="-127"/>
+              </a:rPr>
+              <a:t> files.</a:t>
             </a:r>
             <a:endParaRPr lang="es-PE" sz="1200" dirty="0" smtClean="0">
               <a:latin typeface="맑은 고딕" pitchFamily="50" charset="-127"/>
@@ -3312,43 +3376,6 @@
               <a:buAutoNum type="arabicPeriod"/>
             </a:pPr>
             <a:r>
-              <a:rPr lang="es-PE" sz="1200" dirty="0" err="1">
-                <a:latin typeface="맑은 고딕" pitchFamily="50" charset="-127"/>
-                <a:ea typeface="맑은 고딕" pitchFamily="50" charset="-127"/>
-              </a:rPr>
-              <a:t>Attach</a:t>
-            </a:r>
-            <a:r>
-              <a:rPr lang="es-PE" sz="1200" dirty="0">
-                <a:latin typeface="맑은 고딕" pitchFamily="50" charset="-127"/>
-                <a:ea typeface="맑은 고딕" pitchFamily="50" charset="-127"/>
-              </a:rPr>
-              <a:t> </a:t>
-            </a:r>
-            <a:r>
-              <a:rPr lang="es-PE" sz="1200" dirty="0" err="1">
-                <a:latin typeface="맑은 고딕" pitchFamily="50" charset="-127"/>
-                <a:ea typeface="맑은 고딕" pitchFamily="50" charset="-127"/>
-              </a:rPr>
-              <a:t>the</a:t>
-            </a:r>
-            <a:r>
-              <a:rPr lang="es-PE" sz="1200" dirty="0">
-                <a:latin typeface="맑은 고딕" pitchFamily="50" charset="-127"/>
-                <a:ea typeface="맑은 고딕" pitchFamily="50" charset="-127"/>
-              </a:rPr>
-              <a:t> files.</a:t>
-            </a:r>
-            <a:endParaRPr lang="es-PE" sz="1200" dirty="0" smtClean="0">
-              <a:latin typeface="맑은 고딕" pitchFamily="50" charset="-127"/>
-              <a:ea typeface="맑은 고딕" pitchFamily="50" charset="-127"/>
-            </a:endParaRPr>
-          </a:p>
-          <a:p>
-            <a:pPr marL="228600" indent="-228600">
-              <a:buAutoNum type="arabicPeriod"/>
-            </a:pPr>
-            <a:r>
               <a:rPr lang="en-US" sz="1200" dirty="0">
                 <a:latin typeface="맑은 고딕" pitchFamily="50" charset="-127"/>
                 <a:ea typeface="맑은 고딕" pitchFamily="50" charset="-127"/>
@@ -3362,22 +3389,42 @@
               </a:rPr>
               <a:t>.</a:t>
             </a:r>
-            <a:endParaRPr lang="es-PE" sz="1200" dirty="0" smtClean="0">
-              <a:latin typeface="맑은 고딕" pitchFamily="50" charset="-127"/>
-              <a:ea typeface="맑은 고딕" pitchFamily="50" charset="-127"/>
-            </a:endParaRPr>
-          </a:p>
-        </p:txBody>
-      </p:sp>
-      <p:sp>
-        <p:nvSpPr>
-          <p:cNvPr id="17" name="타원 73"/>
+          </a:p>
+        </p:txBody>
+      </p:sp>
+      <p:pic>
+        <p:nvPicPr>
+          <p:cNvPr id="21" name="Picture 20"/>
+          <p:cNvPicPr>
+            <a:picLocks noChangeAspect="1"/>
+          </p:cNvPicPr>
+          <p:nvPr/>
+        </p:nvPicPr>
+        <p:blipFill>
+          <a:blip r:embed="rId3"/>
+          <a:stretch>
+            <a:fillRect/>
+          </a:stretch>
+        </p:blipFill>
+        <p:spPr>
+          <a:xfrm>
+            <a:off x="335106" y="1246509"/>
+            <a:ext cx="6165006" cy="3840621"/>
+          </a:xfrm>
+          <a:prstGeom prst="rect">
+            <a:avLst/>
+          </a:prstGeom>
+        </p:spPr>
+      </p:pic>
+      <p:sp>
+        <p:nvSpPr>
+          <p:cNvPr id="22" name="타원 73"/>
           <p:cNvSpPr/>
           <p:nvPr/>
         </p:nvSpPr>
         <p:spPr>
           <a:xfrm>
-            <a:off x="344488" y="1936914"/>
+            <a:off x="164459" y="2112769"/>
             <a:ext cx="215900" cy="215900"/>
           </a:xfrm>
           <a:prstGeom prst="ellipse">
@@ -3431,13 +3478,13 @@
       </p:sp>
       <p:sp>
         <p:nvSpPr>
-          <p:cNvPr id="12" name="타원 73"/>
+          <p:cNvPr id="23" name="타원 73"/>
           <p:cNvSpPr/>
           <p:nvPr/>
         </p:nvSpPr>
         <p:spPr>
           <a:xfrm>
-            <a:off x="3380055" y="1936914"/>
+            <a:off x="3309659" y="2112769"/>
             <a:ext cx="215900" cy="215900"/>
           </a:xfrm>
           <a:prstGeom prst="ellipse">
@@ -3491,13 +3538,13 @@
       </p:sp>
       <p:sp>
         <p:nvSpPr>
-          <p:cNvPr id="13" name="타원 73"/>
+          <p:cNvPr id="24" name="타원 73"/>
           <p:cNvSpPr/>
           <p:nvPr/>
         </p:nvSpPr>
         <p:spPr>
           <a:xfrm>
-            <a:off x="344488" y="2568429"/>
+            <a:off x="197358" y="2771296"/>
             <a:ext cx="215900" cy="215900"/>
           </a:xfrm>
           <a:prstGeom prst="ellipse">
@@ -3551,13 +3598,13 @@
       </p:sp>
       <p:sp>
         <p:nvSpPr>
-          <p:cNvPr id="14" name="타원 73"/>
+          <p:cNvPr id="25" name="타원 73"/>
           <p:cNvSpPr/>
           <p:nvPr/>
         </p:nvSpPr>
         <p:spPr>
           <a:xfrm>
-            <a:off x="2720752" y="2273513"/>
+            <a:off x="2144688" y="2474946"/>
             <a:ext cx="215900" cy="201433"/>
           </a:xfrm>
           <a:prstGeom prst="ellipse">
@@ -3611,13 +3658,13 @@
       </p:sp>
       <p:sp>
         <p:nvSpPr>
-          <p:cNvPr id="15" name="타원 73"/>
+          <p:cNvPr id="26" name="타원 73"/>
           <p:cNvSpPr/>
           <p:nvPr/>
         </p:nvSpPr>
         <p:spPr>
           <a:xfrm>
-            <a:off x="344488" y="3263849"/>
+            <a:off x="3240785" y="2771296"/>
             <a:ext cx="215900" cy="215900"/>
           </a:xfrm>
           <a:prstGeom prst="ellipse">
@@ -3671,13 +3718,13 @@
       </p:sp>
       <p:sp>
         <p:nvSpPr>
-          <p:cNvPr id="18" name="타원 73"/>
+          <p:cNvPr id="27" name="타원 73"/>
           <p:cNvSpPr/>
           <p:nvPr/>
         </p:nvSpPr>
         <p:spPr>
           <a:xfrm>
-            <a:off x="344488" y="3925604"/>
+            <a:off x="185854" y="3391988"/>
             <a:ext cx="215900" cy="215900"/>
           </a:xfrm>
           <a:prstGeom prst="ellipse">
@@ -3731,7 +3778,7 @@
       </p:sp>
       <p:pic>
         <p:nvPicPr>
-          <p:cNvPr id="6" name="Picture 5"/>
+          <p:cNvPr id="28" name="Picture 27"/>
           <p:cNvPicPr>
             <a:picLocks noChangeAspect="1"/>
           </p:cNvPicPr>
@@ -3755,7 +3802,7 @@
       </p:pic>
       <p:sp>
         <p:nvSpPr>
-          <p:cNvPr id="19" name="타원 73"/>
+          <p:cNvPr id="29" name="타원 73"/>
           <p:cNvSpPr/>
           <p:nvPr/>
         </p:nvSpPr>
@@ -3815,13 +3862,13 @@
       </p:sp>
       <p:sp>
         <p:nvSpPr>
-          <p:cNvPr id="20" name="타원 73"/>
+          <p:cNvPr id="30" name="타원 73"/>
           <p:cNvSpPr/>
           <p:nvPr/>
         </p:nvSpPr>
         <p:spPr>
           <a:xfrm>
-            <a:off x="344488" y="4444481"/>
+            <a:off x="185854" y="4186147"/>
             <a:ext cx="215900" cy="215900"/>
           </a:xfrm>
           <a:prstGeom prst="ellipse">
@@ -3869,6 +3916,81 @@
             <a:endParaRPr lang="ko-KR" altLang="en-US" sz="1400" b="1" dirty="0">
               <a:latin typeface="맑은 고딕" pitchFamily="50" charset="-127"/>
               <a:ea typeface="맑은 고딕" pitchFamily="50" charset="-127"/>
+            </a:endParaRPr>
+          </a:p>
+        </p:txBody>
+      </p:sp>
+      <p:sp>
+        <p:nvSpPr>
+          <p:cNvPr id="31" name="Rounded Rectangle 30"/>
+          <p:cNvSpPr/>
+          <p:nvPr/>
+        </p:nvSpPr>
+        <p:spPr bwMode="auto">
+          <a:xfrm>
+            <a:off x="2415489" y="2474946"/>
+            <a:ext cx="953336" cy="191512"/>
+          </a:xfrm>
+          <a:prstGeom prst="roundRect">
+            <a:avLst/>
+          </a:prstGeom>
+          <a:noFill/>
+          <a:ln>
+            <a:solidFill>
+              <a:srgbClr val="FF0000"/>
+            </a:solidFill>
+            <a:headEnd type="none" w="med" len="med"/>
+            <a:tailEnd type="none" w="med" len="med"/>
+          </a:ln>
+        </p:spPr>
+        <p:style>
+          <a:lnRef idx="2">
+            <a:schemeClr val="accent2"/>
+          </a:lnRef>
+          <a:fillRef idx="1">
+            <a:schemeClr val="lt1"/>
+          </a:fillRef>
+          <a:effectRef idx="0">
+            <a:schemeClr val="accent2"/>
+          </a:effectRef>
+          <a:fontRef idx="minor">
+            <a:schemeClr val="dk1"/>
+          </a:fontRef>
+        </p:style>
+        <p:txBody>
+          <a:bodyPr vert="horz" wrap="none" lIns="91440" tIns="45720" rIns="91440" bIns="45720" numCol="1" rtlCol="0" anchor="ctr" anchorCtr="0" compatLnSpc="1">
+            <a:prstTxWarp prst="textNoShape">
+              <a:avLst/>
+            </a:prstTxWarp>
+          </a:bodyPr>
+          <a:lstStyle/>
+          <a:p>
+            <a:pPr marL="0" marR="0" indent="0" algn="ctr" defTabSz="914400" rtl="0" eaLnBrk="0" fontAlgn="base" latinLnBrk="0" hangingPunct="0">
+              <a:lnSpc>
+                <a:spcPct val="90000"/>
+              </a:lnSpc>
+              <a:spcBef>
+                <a:spcPct val="20000"/>
+              </a:spcBef>
+              <a:spcAft>
+                <a:spcPct val="0"/>
+              </a:spcAft>
+              <a:buClrTx/>
+              <a:buSzTx/>
+              <a:buFontTx/>
+              <a:buNone/>
+              <a:tabLst/>
+            </a:pPr>
+            <a:endParaRPr kumimoji="1" lang="en-US" sz="1000" b="0" i="0" u="none" strike="noStrike" cap="none" normalizeH="0" baseline="0">
+              <a:ln>
+                <a:noFill/>
+              </a:ln>
+              <a:solidFill>
+                <a:srgbClr val="000000"/>
+              </a:solidFill>
+              <a:effectLst/>
+              <a:latin typeface="Century Gothic" pitchFamily="34" charset="0"/>
+              <a:ea typeface="굴림" pitchFamily="50" charset="-127"/>
             </a:endParaRPr>
           </a:p>
         </p:txBody>
@@ -3905,7 +4027,7 @@
       </p:grpSpPr>
       <p:pic>
         <p:nvPicPr>
-          <p:cNvPr id="6" name="Picture 5"/>
+          <p:cNvPr id="2" name="Picture 1"/>
           <p:cNvPicPr>
             <a:picLocks noChangeAspect="1"/>
           </p:cNvPicPr>
@@ -3913,30 +4035,6 @@
         </p:nvPicPr>
         <p:blipFill>
           <a:blip r:embed="rId3"/>
-          <a:stretch>
-            <a:fillRect/>
-          </a:stretch>
-        </p:blipFill>
-        <p:spPr>
-          <a:xfrm>
-            <a:off x="286404" y="4324350"/>
-            <a:ext cx="6409468" cy="1790700"/>
-          </a:xfrm>
-          <a:prstGeom prst="rect">
-            <a:avLst/>
-          </a:prstGeom>
-        </p:spPr>
-      </p:pic>
-      <p:pic>
-        <p:nvPicPr>
-          <p:cNvPr id="2" name="Picture 1"/>
-          <p:cNvPicPr>
-            <a:picLocks noChangeAspect="1"/>
-          </p:cNvPicPr>
-          <p:nvPr/>
-        </p:nvPicPr>
-        <p:blipFill>
-          <a:blip r:embed="rId4"/>
           <a:stretch>
             <a:fillRect/>
           </a:stretch>
@@ -4075,7 +4173,7 @@
         <p:spPr>
           <a:xfrm>
             <a:off x="6915303" y="1591049"/>
-            <a:ext cx="2865858" cy="3493264"/>
+            <a:ext cx="2865858" cy="3831818"/>
           </a:xfrm>
           <a:prstGeom prst="rect">
             <a:avLst/>
@@ -4180,10 +4278,6 @@
               </a:rPr>
               <a:t>.</a:t>
             </a:r>
-            <a:endParaRPr lang="es-PE" sz="1100" dirty="0" smtClean="0">
-              <a:latin typeface="맑은 고딕" pitchFamily="50" charset="-127"/>
-              <a:ea typeface="맑은 고딕" pitchFamily="50" charset="-127"/>
-            </a:endParaRPr>
           </a:p>
           <a:p>
             <a:pPr marL="228600" indent="-228600">
@@ -4203,10 +4297,6 @@
               </a:rPr>
               <a:t>.</a:t>
             </a:r>
-            <a:endParaRPr lang="es-PE" sz="1100" dirty="0" smtClean="0">
-              <a:latin typeface="맑은 고딕" pitchFamily="50" charset="-127"/>
-              <a:ea typeface="맑은 고딕" pitchFamily="50" charset="-127"/>
-            </a:endParaRPr>
           </a:p>
           <a:p>
             <a:pPr marL="228600" indent="-228600">
@@ -4226,21 +4316,24 @@
               </a:rPr>
               <a:t>.</a:t>
             </a:r>
-            <a:endParaRPr lang="es-PE" sz="1100" dirty="0" smtClean="0">
-              <a:latin typeface="맑은 고딕" pitchFamily="50" charset="-127"/>
-              <a:ea typeface="맑은 고딕" pitchFamily="50" charset="-127"/>
-            </a:endParaRPr>
           </a:p>
           <a:p>
             <a:pPr marL="228600" indent="-228600">
               <a:buAutoNum type="arabicPeriod"/>
             </a:pPr>
             <a:r>
+              <a:rPr lang="en-US" sz="1100" dirty="0" smtClean="0">
+                <a:latin typeface="맑은 고딕" pitchFamily="50" charset="-127"/>
+                <a:ea typeface="맑은 고딕" pitchFamily="50" charset="-127"/>
+              </a:rPr>
+              <a:t>Button </a:t>
+            </a:r>
+            <a:r>
               <a:rPr lang="en-US" sz="1100" dirty="0">
                 <a:latin typeface="맑은 고딕" pitchFamily="50" charset="-127"/>
                 <a:ea typeface="맑은 고딕" pitchFamily="50" charset="-127"/>
               </a:rPr>
-              <a:t>Button ("+") to add new lines if there are multiple POs in one file, and the button ("-") to delete new lines</a:t>
+              <a:t>("+") to add new lines if there are multiple POs in one file, and the button ("-") to delete new lines</a:t>
             </a:r>
             <a:r>
               <a:rPr lang="es-PE" sz="1100" dirty="0" smtClean="0">
@@ -4249,10 +4342,6 @@
               </a:rPr>
               <a:t>.</a:t>
             </a:r>
-            <a:endParaRPr lang="es-PE" sz="1100" dirty="0" smtClean="0">
-              <a:latin typeface="맑은 고딕" pitchFamily="50" charset="-127"/>
-              <a:ea typeface="맑은 고딕" pitchFamily="50" charset="-127"/>
-            </a:endParaRPr>
           </a:p>
           <a:p>
             <a:pPr marL="228600" indent="-228600">
@@ -4312,7 +4401,7 @@
                 <a:latin typeface="맑은 고딕" pitchFamily="50" charset="-127"/>
                 <a:ea typeface="맑은 고딕" pitchFamily="50" charset="-127"/>
               </a:rPr>
-              <a:t>mejoramiento</a:t>
+              <a:t>Mejoramiento</a:t>
             </a:r>
             <a:r>
               <a:rPr lang="en-US" sz="1100" dirty="0">
@@ -4326,7 +4415,7 @@
                 <a:latin typeface="맑은 고딕" pitchFamily="50" charset="-127"/>
                 <a:ea typeface="맑은 고딕" pitchFamily="50" charset="-127"/>
               </a:rPr>
-              <a:t>hogar</a:t>
+              <a:t>Hogar</a:t>
             </a:r>
             <a:r>
               <a:rPr lang="en-US" sz="1100" dirty="0">
@@ -4347,7 +4436,7 @@
                 <a:latin typeface="맑은 고딕" pitchFamily="50" charset="-127"/>
                 <a:ea typeface="맑은 고딕" pitchFamily="50" charset="-127"/>
               </a:rPr>
-              <a:t>), a manual PO entry is considered without the need to attach files. In this case, as indicated in the image, the POs must be separated by commas or by a new line</a:t>
+              <a:t>). Manual entry of POs is allowed without the need to attach files. In this case, a box will be displayed where you can enter the POs separated by commas, and another box where you can write your observations.</a:t>
             </a:r>
             <a:r>
               <a:rPr lang="es-ES" sz="1100" dirty="0" smtClean="0">
@@ -4612,7 +4701,7 @@
           <p:nvPr/>
         </p:nvPicPr>
         <p:blipFill>
-          <a:blip r:embed="rId5"/>
+          <a:blip r:embed="rId4"/>
           <a:stretch>
             <a:fillRect/>
           </a:stretch>
@@ -4635,7 +4724,7 @@
         </p:nvSpPr>
         <p:spPr>
           <a:xfrm>
-            <a:off x="309394" y="4088920"/>
+            <a:off x="503004" y="4268592"/>
             <a:ext cx="215900" cy="215900"/>
           </a:xfrm>
           <a:prstGeom prst="ellipse">
@@ -4687,6 +4776,30 @@
           </a:p>
         </p:txBody>
       </p:sp>
+      <p:pic>
+        <p:nvPicPr>
+          <p:cNvPr id="15" name="Picture 14"/>
+          <p:cNvPicPr>
+            <a:picLocks noChangeAspect="1"/>
+          </p:cNvPicPr>
+          <p:nvPr/>
+        </p:nvPicPr>
+        <p:blipFill>
+          <a:blip r:embed="rId5"/>
+          <a:stretch>
+            <a:fillRect/>
+          </a:stretch>
+        </p:blipFill>
+        <p:spPr>
+          <a:xfrm>
+            <a:off x="707868" y="4426957"/>
+            <a:ext cx="5313566" cy="1920484"/>
+          </a:xfrm>
+          <a:prstGeom prst="rect">
+            <a:avLst/>
+          </a:prstGeom>
+        </p:spPr>
+      </p:pic>
     </p:spTree>
     <p:extLst>
       <p:ext uri="{BB962C8B-B14F-4D97-AF65-F5344CB8AC3E}">
@@ -4919,10 +5032,6 @@
               </a:rPr>
               <a:t>.</a:t>
             </a:r>
-            <a:endParaRPr lang="es-PE" sz="1200" dirty="0" smtClean="0">
-              <a:latin typeface="맑은 고딕" pitchFamily="50" charset="-127"/>
-              <a:ea typeface="맑은 고딕" pitchFamily="50" charset="-127"/>
-            </a:endParaRPr>
           </a:p>
           <a:p>
             <a:pPr marL="228600" indent="-228600">
@@ -4942,10 +5051,6 @@
               </a:rPr>
               <a:t>.</a:t>
             </a:r>
-            <a:endParaRPr lang="es-PE" sz="1200" dirty="0" smtClean="0">
-              <a:latin typeface="맑은 고딕" pitchFamily="50" charset="-127"/>
-              <a:ea typeface="맑은 고딕" pitchFamily="50" charset="-127"/>
-            </a:endParaRPr>
           </a:p>
           <a:p>
             <a:pPr marL="228600" indent="-228600">
@@ -4965,10 +5070,6 @@
               </a:rPr>
               <a:t>.</a:t>
             </a:r>
-            <a:endParaRPr lang="es-PE" sz="1200" dirty="0" smtClean="0">
-              <a:latin typeface="맑은 고딕" pitchFamily="50" charset="-127"/>
-              <a:ea typeface="맑은 고딕" pitchFamily="50" charset="-127"/>
-            </a:endParaRPr>
           </a:p>
         </p:txBody>
       </p:sp>
@@ -5425,10 +5526,6 @@
               </a:rPr>
               <a:t>Email</a:t>
             </a:r>
-            <a:endParaRPr lang="es-PE" sz="1200" b="1" dirty="0" smtClean="0">
-              <a:latin typeface="맑은 고딕" pitchFamily="50" charset="-127"/>
-              <a:ea typeface="맑은 고딕" pitchFamily="50" charset="-127"/>
-            </a:endParaRPr>
           </a:p>
           <a:p>
             <a:r>
